--- a/resources/architecture.pptx
+++ b/resources/architecture.pptx
@@ -7,6 +7,7 @@
   <p:sldIdLst>
     <p:sldId id="256" r:id="rId2"/>
     <p:sldId id="257" r:id="rId3"/>
+    <p:sldId id="258" r:id="rId4"/>
   </p:sldIdLst>
   <p:sldSz cx="12192000" cy="6858000"/>
   <p:notesSz cx="6858000" cy="9144000"/>
@@ -4854,7 +4855,7 @@
               <a:pPr algn="ctr"/>
               <a:r>
                 <a:rPr lang="en-AU" sz="1600" dirty="0"/>
-                <a:t>Ultrasound distance sensor HC-SR04</a:t>
+                <a:t>Ultrasonic distance sensor HC-SR04</a:t>
               </a:r>
             </a:p>
           </p:txBody>
@@ -6863,7 +6864,7 @@
               <a:pPr algn="ctr"/>
               <a:r>
                 <a:rPr lang="en-AU" sz="1600" dirty="0"/>
-                <a:t>Ultrasound distance sensor HC-SR04</a:t>
+                <a:t>Ultrasonic distance sensor HC-SR04</a:t>
               </a:r>
             </a:p>
           </p:txBody>
@@ -7319,6 +7320,1868 @@
 </p:sld>
 </file>
 
+<file path=ppt/slides/slide3.xml><?xml version="1.0" encoding="utf-8"?>
+<p:sld xmlns:a="http://schemas.openxmlformats.org/drawingml/2006/main" xmlns:r="http://schemas.openxmlformats.org/officeDocument/2006/relationships" xmlns:p="http://schemas.openxmlformats.org/presentationml/2006/main">
+  <p:cSld>
+    <p:spTree>
+      <p:nvGrpSpPr>
+        <p:cNvPr id="1" name=""/>
+        <p:cNvGrpSpPr/>
+        <p:nvPr/>
+      </p:nvGrpSpPr>
+      <p:grpSpPr>
+        <a:xfrm>
+          <a:off x="0" y="0"/>
+          <a:ext cx="0" cy="0"/>
+          <a:chOff x="0" y="0"/>
+          <a:chExt cx="0" cy="0"/>
+        </a:xfrm>
+      </p:grpSpPr>
+      <p:sp>
+        <p:nvSpPr>
+          <p:cNvPr id="76" name="TextBox 75">
+            <a:extLst>
+              <a:ext uri="{FF2B5EF4-FFF2-40B4-BE49-F238E27FC236}">
+                <a16:creationId xmlns:a16="http://schemas.microsoft.com/office/drawing/2014/main" id="{7AF5C746-1658-42F3-9EAF-E5514F67F795}"/>
+              </a:ext>
+            </a:extLst>
+          </p:cNvPr>
+          <p:cNvSpPr txBox="1"/>
+          <p:nvPr/>
+        </p:nvSpPr>
+        <p:spPr>
+          <a:xfrm>
+            <a:off x="273646" y="483462"/>
+            <a:ext cx="8013219" cy="584775"/>
+          </a:xfrm>
+          <a:prstGeom prst="rect">
+            <a:avLst/>
+          </a:prstGeom>
+          <a:noFill/>
+        </p:spPr>
+        <p:txBody>
+          <a:bodyPr wrap="none" rtlCol="0">
+            <a:spAutoFit/>
+          </a:bodyPr>
+          <a:lstStyle/>
+          <a:p>
+            <a:r>
+              <a:rPr lang="en-AU" sz="3200" dirty="0"/>
+              <a:t>Azure Sphere MT3620 Application Architecture</a:t>
+            </a:r>
+          </a:p>
+        </p:txBody>
+      </p:sp>
+      <p:grpSp>
+        <p:nvGrpSpPr>
+          <p:cNvPr id="87" name="Group 86">
+            <a:extLst>
+              <a:ext uri="{FF2B5EF4-FFF2-40B4-BE49-F238E27FC236}">
+                <a16:creationId xmlns:a16="http://schemas.microsoft.com/office/drawing/2014/main" id="{5D373ECA-58DF-4D7B-AD5A-79D018287458}"/>
+              </a:ext>
+            </a:extLst>
+          </p:cNvPr>
+          <p:cNvGrpSpPr/>
+          <p:nvPr/>
+        </p:nvGrpSpPr>
+        <p:grpSpPr>
+          <a:xfrm>
+            <a:off x="273646" y="1151233"/>
+            <a:ext cx="11578720" cy="5502115"/>
+            <a:chOff x="452301" y="2175940"/>
+            <a:chExt cx="8160487" cy="3378133"/>
+          </a:xfrm>
+        </p:grpSpPr>
+        <p:sp>
+          <p:nvSpPr>
+            <p:cNvPr id="12" name="Rectangle 11">
+              <a:extLst>
+                <a:ext uri="{FF2B5EF4-FFF2-40B4-BE49-F238E27FC236}">
+                  <a16:creationId xmlns:a16="http://schemas.microsoft.com/office/drawing/2014/main" id="{5D0E7430-A641-4388-8097-50C104374324}"/>
+                </a:ext>
+              </a:extLst>
+            </p:cNvPr>
+            <p:cNvSpPr/>
+            <p:nvPr/>
+          </p:nvSpPr>
+          <p:spPr>
+            <a:xfrm>
+              <a:off x="452301" y="2192563"/>
+              <a:ext cx="1524000" cy="3361510"/>
+            </a:xfrm>
+            <a:prstGeom prst="rect">
+              <a:avLst/>
+            </a:prstGeom>
+            <a:noFill/>
+            <a:ln w="38100"/>
+          </p:spPr>
+          <p:style>
+            <a:lnRef idx="2">
+              <a:schemeClr val="accent1">
+                <a:shade val="50000"/>
+              </a:schemeClr>
+            </a:lnRef>
+            <a:fillRef idx="1">
+              <a:schemeClr val="accent1"/>
+            </a:fillRef>
+            <a:effectRef idx="0">
+              <a:schemeClr val="accent1"/>
+            </a:effectRef>
+            <a:fontRef idx="minor">
+              <a:schemeClr val="lt1"/>
+            </a:fontRef>
+          </p:style>
+          <p:txBody>
+            <a:bodyPr rtlCol="0" anchor="ctr"/>
+            <a:lstStyle/>
+            <a:p>
+              <a:pPr algn="ctr"/>
+              <a:endParaRPr lang="en-AU" sz="2400"/>
+            </a:p>
+          </p:txBody>
+        </p:sp>
+        <p:sp>
+          <p:nvSpPr>
+            <p:cNvPr id="4" name="Rectangle 3">
+              <a:extLst>
+                <a:ext uri="{FF2B5EF4-FFF2-40B4-BE49-F238E27FC236}">
+                  <a16:creationId xmlns:a16="http://schemas.microsoft.com/office/drawing/2014/main" id="{9E56E71D-AFA2-4CA9-9B27-C587B06CA952}"/>
+                </a:ext>
+              </a:extLst>
+            </p:cNvPr>
+            <p:cNvSpPr/>
+            <p:nvPr/>
+          </p:nvSpPr>
+          <p:spPr>
+            <a:xfrm>
+              <a:off x="574220" y="2305776"/>
+              <a:ext cx="1280161" cy="975360"/>
+            </a:xfrm>
+            <a:prstGeom prst="rect">
+              <a:avLst/>
+            </a:prstGeom>
+            <a:solidFill>
+              <a:srgbClr val="0070C0"/>
+            </a:solidFill>
+          </p:spPr>
+          <p:style>
+            <a:lnRef idx="2">
+              <a:schemeClr val="accent5">
+                <a:shade val="50000"/>
+              </a:schemeClr>
+            </a:lnRef>
+            <a:fillRef idx="1">
+              <a:schemeClr val="accent5"/>
+            </a:fillRef>
+            <a:effectRef idx="0">
+              <a:schemeClr val="accent5"/>
+            </a:effectRef>
+            <a:fontRef idx="minor">
+              <a:schemeClr val="lt1"/>
+            </a:fontRef>
+          </p:style>
+          <p:txBody>
+            <a:bodyPr rtlCol="0" anchor="ctr"/>
+            <a:lstStyle/>
+            <a:p>
+              <a:pPr algn="ctr"/>
+              <a:r>
+                <a:rPr lang="en-AU" sz="2400" dirty="0"/>
+                <a:t>A7</a:t>
+              </a:r>
+            </a:p>
+            <a:p>
+              <a:pPr algn="ctr"/>
+              <a:r>
+                <a:rPr lang="en-AU" sz="2000" dirty="0" err="1"/>
+                <a:t>Highlevel</a:t>
+              </a:r>
+              <a:endParaRPr lang="en-AU" sz="2000" dirty="0"/>
+            </a:p>
+            <a:p>
+              <a:pPr algn="ctr"/>
+              <a:r>
+                <a:rPr lang="en-AU" sz="2000" dirty="0"/>
+                <a:t>core</a:t>
+              </a:r>
+            </a:p>
+          </p:txBody>
+        </p:sp>
+        <p:sp>
+          <p:nvSpPr>
+            <p:cNvPr id="7" name="Rectangle 6">
+              <a:extLst>
+                <a:ext uri="{FF2B5EF4-FFF2-40B4-BE49-F238E27FC236}">
+                  <a16:creationId xmlns:a16="http://schemas.microsoft.com/office/drawing/2014/main" id="{8E442C5E-B7DB-4B28-B73F-7171260F621E}"/>
+                </a:ext>
+              </a:extLst>
+            </p:cNvPr>
+            <p:cNvSpPr/>
+            <p:nvPr/>
+          </p:nvSpPr>
+          <p:spPr>
+            <a:xfrm>
+              <a:off x="574219" y="3392170"/>
+              <a:ext cx="1280161" cy="975360"/>
+            </a:xfrm>
+            <a:prstGeom prst="rect">
+              <a:avLst/>
+            </a:prstGeom>
+            <a:gradFill flip="none" rotWithShape="1">
+              <a:gsLst>
+                <a:gs pos="0">
+                  <a:schemeClr val="bg2">
+                    <a:lumMod val="75000"/>
+                    <a:shade val="30000"/>
+                    <a:satMod val="115000"/>
+                  </a:schemeClr>
+                </a:gs>
+                <a:gs pos="50000">
+                  <a:schemeClr val="bg2">
+                    <a:lumMod val="75000"/>
+                    <a:shade val="67500"/>
+                    <a:satMod val="115000"/>
+                  </a:schemeClr>
+                </a:gs>
+                <a:gs pos="100000">
+                  <a:schemeClr val="bg2">
+                    <a:lumMod val="75000"/>
+                    <a:shade val="100000"/>
+                    <a:satMod val="115000"/>
+                  </a:schemeClr>
+                </a:gs>
+              </a:gsLst>
+              <a:lin ang="2700000" scaled="1"/>
+              <a:tileRect/>
+            </a:gradFill>
+          </p:spPr>
+          <p:style>
+            <a:lnRef idx="1">
+              <a:schemeClr val="dk1"/>
+            </a:lnRef>
+            <a:fillRef idx="2">
+              <a:schemeClr val="dk1"/>
+            </a:fillRef>
+            <a:effectRef idx="1">
+              <a:schemeClr val="dk1"/>
+            </a:effectRef>
+            <a:fontRef idx="minor">
+              <a:schemeClr val="dk1"/>
+            </a:fontRef>
+          </p:style>
+          <p:txBody>
+            <a:bodyPr rtlCol="0" anchor="ctr"/>
+            <a:lstStyle/>
+            <a:p>
+              <a:pPr algn="ctr"/>
+              <a:r>
+                <a:rPr lang="en-AU" sz="2400" dirty="0">
+                  <a:solidFill>
+                    <a:schemeClr val="bg1"/>
+                  </a:solidFill>
+                </a:rPr>
+                <a:t>M4</a:t>
+              </a:r>
+            </a:p>
+            <a:p>
+              <a:pPr algn="ctr"/>
+              <a:r>
+                <a:rPr lang="en-AU" sz="2000" dirty="0">
+                  <a:solidFill>
+                    <a:schemeClr val="bg1"/>
+                  </a:solidFill>
+                </a:rPr>
+                <a:t>Realtime</a:t>
+              </a:r>
+            </a:p>
+            <a:p>
+              <a:pPr algn="ctr"/>
+              <a:r>
+                <a:rPr lang="en-AU" sz="2000" dirty="0">
+                  <a:solidFill>
+                    <a:schemeClr val="bg1"/>
+                  </a:solidFill>
+                </a:rPr>
+                <a:t>core</a:t>
+              </a:r>
+            </a:p>
+          </p:txBody>
+        </p:sp>
+        <p:sp>
+          <p:nvSpPr>
+            <p:cNvPr id="11" name="Rectangle 10">
+              <a:extLst>
+                <a:ext uri="{FF2B5EF4-FFF2-40B4-BE49-F238E27FC236}">
+                  <a16:creationId xmlns:a16="http://schemas.microsoft.com/office/drawing/2014/main" id="{DF606671-2A7B-4AF8-9711-EB7124082BD9}"/>
+                </a:ext>
+              </a:extLst>
+            </p:cNvPr>
+            <p:cNvSpPr/>
+            <p:nvPr/>
+          </p:nvSpPr>
+          <p:spPr>
+            <a:xfrm>
+              <a:off x="574219" y="4478564"/>
+              <a:ext cx="1280161" cy="975360"/>
+            </a:xfrm>
+            <a:prstGeom prst="rect">
+              <a:avLst/>
+            </a:prstGeom>
+            <a:gradFill flip="none" rotWithShape="1">
+              <a:gsLst>
+                <a:gs pos="0">
+                  <a:schemeClr val="bg2">
+                    <a:lumMod val="75000"/>
+                    <a:shade val="30000"/>
+                    <a:satMod val="115000"/>
+                  </a:schemeClr>
+                </a:gs>
+                <a:gs pos="50000">
+                  <a:schemeClr val="bg2">
+                    <a:lumMod val="75000"/>
+                    <a:shade val="67500"/>
+                    <a:satMod val="115000"/>
+                  </a:schemeClr>
+                </a:gs>
+                <a:gs pos="100000">
+                  <a:schemeClr val="bg2">
+                    <a:lumMod val="75000"/>
+                    <a:shade val="100000"/>
+                    <a:satMod val="115000"/>
+                  </a:schemeClr>
+                </a:gs>
+              </a:gsLst>
+              <a:lin ang="2700000" scaled="1"/>
+              <a:tileRect/>
+            </a:gradFill>
+          </p:spPr>
+          <p:style>
+            <a:lnRef idx="1">
+              <a:schemeClr val="dk1"/>
+            </a:lnRef>
+            <a:fillRef idx="2">
+              <a:schemeClr val="dk1"/>
+            </a:fillRef>
+            <a:effectRef idx="1">
+              <a:schemeClr val="dk1"/>
+            </a:effectRef>
+            <a:fontRef idx="minor">
+              <a:schemeClr val="dk1"/>
+            </a:fontRef>
+          </p:style>
+          <p:txBody>
+            <a:bodyPr rtlCol="0" anchor="ctr"/>
+            <a:lstStyle/>
+            <a:p>
+              <a:pPr algn="ctr"/>
+              <a:r>
+                <a:rPr lang="en-AU" sz="2400" dirty="0">
+                  <a:solidFill>
+                    <a:schemeClr val="bg1"/>
+                  </a:solidFill>
+                </a:rPr>
+                <a:t>M4</a:t>
+              </a:r>
+            </a:p>
+            <a:p>
+              <a:pPr algn="ctr"/>
+              <a:r>
+                <a:rPr lang="en-AU" sz="2000" dirty="0">
+                  <a:solidFill>
+                    <a:schemeClr val="bg1"/>
+                  </a:solidFill>
+                </a:rPr>
+                <a:t>Realtime</a:t>
+              </a:r>
+            </a:p>
+            <a:p>
+              <a:pPr algn="ctr"/>
+              <a:r>
+                <a:rPr lang="en-AU" sz="2000" dirty="0">
+                  <a:solidFill>
+                    <a:schemeClr val="bg1"/>
+                  </a:solidFill>
+                </a:rPr>
+                <a:t>core</a:t>
+              </a:r>
+            </a:p>
+          </p:txBody>
+        </p:sp>
+        <p:sp>
+          <p:nvSpPr>
+            <p:cNvPr id="13" name="Rectangle 12">
+              <a:extLst>
+                <a:ext uri="{FF2B5EF4-FFF2-40B4-BE49-F238E27FC236}">
+                  <a16:creationId xmlns:a16="http://schemas.microsoft.com/office/drawing/2014/main" id="{A806D4F9-A762-4E0E-A2D1-68632DDD2453}"/>
+                </a:ext>
+              </a:extLst>
+            </p:cNvPr>
+            <p:cNvSpPr/>
+            <p:nvPr/>
+          </p:nvSpPr>
+          <p:spPr>
+            <a:xfrm>
+              <a:off x="2368190" y="2305776"/>
+              <a:ext cx="1907178" cy="444137"/>
+            </a:xfrm>
+            <a:prstGeom prst="rect">
+              <a:avLst/>
+            </a:prstGeom>
+            <a:solidFill>
+              <a:srgbClr val="0070C0"/>
+            </a:solidFill>
+          </p:spPr>
+          <p:style>
+            <a:lnRef idx="2">
+              <a:schemeClr val="accent5">
+                <a:shade val="50000"/>
+              </a:schemeClr>
+            </a:lnRef>
+            <a:fillRef idx="1">
+              <a:schemeClr val="accent5"/>
+            </a:fillRef>
+            <a:effectRef idx="0">
+              <a:schemeClr val="accent5"/>
+            </a:effectRef>
+            <a:fontRef idx="minor">
+              <a:schemeClr val="lt1"/>
+            </a:fontRef>
+          </p:style>
+          <p:txBody>
+            <a:bodyPr rtlCol="0" anchor="ctr"/>
+            <a:lstStyle/>
+            <a:p>
+              <a:pPr algn="ctr"/>
+              <a:r>
+                <a:rPr lang="en-AU" sz="2400" dirty="0"/>
+                <a:t>IoT Central</a:t>
+              </a:r>
+            </a:p>
+          </p:txBody>
+        </p:sp>
+        <p:sp>
+          <p:nvSpPr>
+            <p:cNvPr id="19" name="Rectangle 18">
+              <a:extLst>
+                <a:ext uri="{FF2B5EF4-FFF2-40B4-BE49-F238E27FC236}">
+                  <a16:creationId xmlns:a16="http://schemas.microsoft.com/office/drawing/2014/main" id="{B064D1B1-5F90-418E-BA98-72E9BF84AEE5}"/>
+                </a:ext>
+              </a:extLst>
+            </p:cNvPr>
+            <p:cNvSpPr/>
+            <p:nvPr/>
+          </p:nvSpPr>
+          <p:spPr>
+            <a:xfrm>
+              <a:off x="2368190" y="2836999"/>
+              <a:ext cx="1907178" cy="444137"/>
+            </a:xfrm>
+            <a:prstGeom prst="rect">
+              <a:avLst/>
+            </a:prstGeom>
+            <a:solidFill>
+              <a:srgbClr val="0070C0"/>
+            </a:solidFill>
+          </p:spPr>
+          <p:style>
+            <a:lnRef idx="2">
+              <a:schemeClr val="accent5">
+                <a:shade val="50000"/>
+              </a:schemeClr>
+            </a:lnRef>
+            <a:fillRef idx="1">
+              <a:schemeClr val="accent5"/>
+            </a:fillRef>
+            <a:effectRef idx="0">
+              <a:schemeClr val="accent5"/>
+            </a:effectRef>
+            <a:fontRef idx="minor">
+              <a:schemeClr val="lt1"/>
+            </a:fontRef>
+          </p:style>
+          <p:txBody>
+            <a:bodyPr rtlCol="0" anchor="ctr"/>
+            <a:lstStyle/>
+            <a:p>
+              <a:pPr algn="ctr"/>
+              <a:r>
+                <a:rPr lang="en-AU" sz="2400" dirty="0" err="1"/>
+                <a:t>Intercore</a:t>
+              </a:r>
+              <a:r>
+                <a:rPr lang="en-AU" sz="2400" dirty="0"/>
+                <a:t> bridge</a:t>
+              </a:r>
+            </a:p>
+          </p:txBody>
+        </p:sp>
+        <p:sp>
+          <p:nvSpPr>
+            <p:cNvPr id="21" name="Rectangle 20">
+              <a:extLst>
+                <a:ext uri="{FF2B5EF4-FFF2-40B4-BE49-F238E27FC236}">
+                  <a16:creationId xmlns:a16="http://schemas.microsoft.com/office/drawing/2014/main" id="{2F17796F-13E4-4333-B283-54FC186B20FA}"/>
+                </a:ext>
+              </a:extLst>
+            </p:cNvPr>
+            <p:cNvSpPr/>
+            <p:nvPr/>
+          </p:nvSpPr>
+          <p:spPr>
+            <a:xfrm>
+              <a:off x="2368190" y="3699323"/>
+              <a:ext cx="1907178" cy="444137"/>
+            </a:xfrm>
+            <a:prstGeom prst="rect">
+              <a:avLst/>
+            </a:prstGeom>
+            <a:gradFill flip="none" rotWithShape="1">
+              <a:gsLst>
+                <a:gs pos="0">
+                  <a:schemeClr val="bg2">
+                    <a:lumMod val="75000"/>
+                    <a:shade val="30000"/>
+                    <a:satMod val="115000"/>
+                  </a:schemeClr>
+                </a:gs>
+                <a:gs pos="50000">
+                  <a:schemeClr val="bg2">
+                    <a:lumMod val="75000"/>
+                    <a:shade val="67500"/>
+                    <a:satMod val="115000"/>
+                  </a:schemeClr>
+                </a:gs>
+                <a:gs pos="100000">
+                  <a:schemeClr val="bg2">
+                    <a:lumMod val="75000"/>
+                    <a:shade val="100000"/>
+                    <a:satMod val="115000"/>
+                  </a:schemeClr>
+                </a:gs>
+              </a:gsLst>
+              <a:lin ang="2700000" scaled="1"/>
+              <a:tileRect/>
+            </a:gradFill>
+          </p:spPr>
+          <p:style>
+            <a:lnRef idx="2">
+              <a:schemeClr val="accent5">
+                <a:shade val="50000"/>
+              </a:schemeClr>
+            </a:lnRef>
+            <a:fillRef idx="1">
+              <a:schemeClr val="accent5"/>
+            </a:fillRef>
+            <a:effectRef idx="0">
+              <a:schemeClr val="accent5"/>
+            </a:effectRef>
+            <a:fontRef idx="minor">
+              <a:schemeClr val="lt1"/>
+            </a:fontRef>
+          </p:style>
+          <p:txBody>
+            <a:bodyPr rtlCol="0" anchor="ctr"/>
+            <a:lstStyle/>
+            <a:p>
+              <a:pPr algn="ctr"/>
+              <a:r>
+                <a:rPr lang="en-AU" sz="2400" dirty="0" err="1"/>
+                <a:t>Intercore</a:t>
+              </a:r>
+              <a:r>
+                <a:rPr lang="en-AU" sz="2400" dirty="0"/>
+                <a:t> bridge</a:t>
+              </a:r>
+            </a:p>
+          </p:txBody>
+        </p:sp>
+        <p:sp>
+          <p:nvSpPr>
+            <p:cNvPr id="23" name="Rectangle 22">
+              <a:extLst>
+                <a:ext uri="{FF2B5EF4-FFF2-40B4-BE49-F238E27FC236}">
+                  <a16:creationId xmlns:a16="http://schemas.microsoft.com/office/drawing/2014/main" id="{D1B38DB5-5A62-4864-93B8-7446F15DD175}"/>
+                </a:ext>
+              </a:extLst>
+            </p:cNvPr>
+            <p:cNvSpPr/>
+            <p:nvPr/>
+          </p:nvSpPr>
+          <p:spPr>
+            <a:xfrm>
+              <a:off x="2368190" y="4210957"/>
+              <a:ext cx="1907178" cy="444137"/>
+            </a:xfrm>
+            <a:prstGeom prst="rect">
+              <a:avLst/>
+            </a:prstGeom>
+            <a:gradFill flip="none" rotWithShape="1">
+              <a:gsLst>
+                <a:gs pos="0">
+                  <a:schemeClr val="bg2">
+                    <a:lumMod val="75000"/>
+                    <a:shade val="30000"/>
+                    <a:satMod val="115000"/>
+                  </a:schemeClr>
+                </a:gs>
+                <a:gs pos="50000">
+                  <a:schemeClr val="bg2">
+                    <a:lumMod val="75000"/>
+                    <a:shade val="67500"/>
+                    <a:satMod val="115000"/>
+                  </a:schemeClr>
+                </a:gs>
+                <a:gs pos="100000">
+                  <a:schemeClr val="bg2">
+                    <a:lumMod val="75000"/>
+                    <a:shade val="100000"/>
+                    <a:satMod val="115000"/>
+                  </a:schemeClr>
+                </a:gs>
+              </a:gsLst>
+              <a:lin ang="2700000" scaled="1"/>
+              <a:tileRect/>
+            </a:gradFill>
+          </p:spPr>
+          <p:style>
+            <a:lnRef idx="2">
+              <a:schemeClr val="accent5">
+                <a:shade val="50000"/>
+              </a:schemeClr>
+            </a:lnRef>
+            <a:fillRef idx="1">
+              <a:schemeClr val="accent5"/>
+            </a:fillRef>
+            <a:effectRef idx="0">
+              <a:schemeClr val="accent5"/>
+            </a:effectRef>
+            <a:fontRef idx="minor">
+              <a:schemeClr val="lt1"/>
+            </a:fontRef>
+          </p:style>
+          <p:txBody>
+            <a:bodyPr rtlCol="0" anchor="ctr"/>
+            <a:lstStyle/>
+            <a:p>
+              <a:pPr algn="ctr"/>
+              <a:r>
+                <a:rPr lang="en-AU" sz="2400" dirty="0" err="1"/>
+                <a:t>FreeRTOS</a:t>
+              </a:r>
+              <a:endParaRPr lang="en-AU" sz="2400" dirty="0"/>
+            </a:p>
+          </p:txBody>
+        </p:sp>
+        <p:sp>
+          <p:nvSpPr>
+            <p:cNvPr id="25" name="Rectangle 24">
+              <a:extLst>
+                <a:ext uri="{FF2B5EF4-FFF2-40B4-BE49-F238E27FC236}">
+                  <a16:creationId xmlns:a16="http://schemas.microsoft.com/office/drawing/2014/main" id="{C5BF2075-374C-437B-8029-086FF9F8E735}"/>
+                </a:ext>
+              </a:extLst>
+            </p:cNvPr>
+            <p:cNvSpPr/>
+            <p:nvPr/>
+          </p:nvSpPr>
+          <p:spPr>
+            <a:xfrm>
+              <a:off x="2368190" y="4722591"/>
+              <a:ext cx="1907178" cy="444137"/>
+            </a:xfrm>
+            <a:prstGeom prst="rect">
+              <a:avLst/>
+            </a:prstGeom>
+            <a:gradFill flip="none" rotWithShape="1">
+              <a:gsLst>
+                <a:gs pos="0">
+                  <a:schemeClr val="bg2">
+                    <a:lumMod val="75000"/>
+                    <a:shade val="30000"/>
+                    <a:satMod val="115000"/>
+                  </a:schemeClr>
+                </a:gs>
+                <a:gs pos="50000">
+                  <a:schemeClr val="bg2">
+                    <a:lumMod val="75000"/>
+                    <a:shade val="67500"/>
+                    <a:satMod val="115000"/>
+                  </a:schemeClr>
+                </a:gs>
+                <a:gs pos="100000">
+                  <a:schemeClr val="bg2">
+                    <a:lumMod val="75000"/>
+                    <a:shade val="100000"/>
+                    <a:satMod val="115000"/>
+                  </a:schemeClr>
+                </a:gs>
+              </a:gsLst>
+              <a:lin ang="2700000" scaled="1"/>
+              <a:tileRect/>
+            </a:gradFill>
+          </p:spPr>
+          <p:style>
+            <a:lnRef idx="2">
+              <a:schemeClr val="accent5">
+                <a:shade val="50000"/>
+              </a:schemeClr>
+            </a:lnRef>
+            <a:fillRef idx="1">
+              <a:schemeClr val="accent5"/>
+            </a:fillRef>
+            <a:effectRef idx="0">
+              <a:schemeClr val="accent5"/>
+            </a:effectRef>
+            <a:fontRef idx="minor">
+              <a:schemeClr val="lt1"/>
+            </a:fontRef>
+          </p:style>
+          <p:txBody>
+            <a:bodyPr rtlCol="0" anchor="ctr"/>
+            <a:lstStyle/>
+            <a:p>
+              <a:pPr algn="ctr"/>
+              <a:r>
+                <a:rPr lang="en-AU" sz="2400" dirty="0"/>
+                <a:t>MTK M4 drivers</a:t>
+              </a:r>
+            </a:p>
+          </p:txBody>
+        </p:sp>
+        <p:cxnSp>
+          <p:nvCxnSpPr>
+            <p:cNvPr id="27" name="Straight Connector 26">
+              <a:extLst>
+                <a:ext uri="{FF2B5EF4-FFF2-40B4-BE49-F238E27FC236}">
+                  <a16:creationId xmlns:a16="http://schemas.microsoft.com/office/drawing/2014/main" id="{B51677F7-8674-4FFA-9A12-B9FDC4800A81}"/>
+                </a:ext>
+              </a:extLst>
+            </p:cNvPr>
+            <p:cNvCxnSpPr/>
+            <p:nvPr/>
+          </p:nvCxnSpPr>
+          <p:spPr>
+            <a:xfrm>
+              <a:off x="2228850" y="2305776"/>
+              <a:ext cx="0" cy="975360"/>
+            </a:xfrm>
+            <a:prstGeom prst="line">
+              <a:avLst/>
+            </a:prstGeom>
+            <a:ln w="12700">
+              <a:solidFill>
+                <a:schemeClr val="tx1">
+                  <a:lumMod val="50000"/>
+                  <a:lumOff val="50000"/>
+                </a:schemeClr>
+              </a:solidFill>
+            </a:ln>
+          </p:spPr>
+          <p:style>
+            <a:lnRef idx="1">
+              <a:schemeClr val="accent1"/>
+            </a:lnRef>
+            <a:fillRef idx="0">
+              <a:schemeClr val="accent1"/>
+            </a:fillRef>
+            <a:effectRef idx="0">
+              <a:schemeClr val="accent1"/>
+            </a:effectRef>
+            <a:fontRef idx="minor">
+              <a:schemeClr val="tx1"/>
+            </a:fontRef>
+          </p:style>
+        </p:cxnSp>
+        <p:cxnSp>
+          <p:nvCxnSpPr>
+            <p:cNvPr id="29" name="Straight Connector 28">
+              <a:extLst>
+                <a:ext uri="{FF2B5EF4-FFF2-40B4-BE49-F238E27FC236}">
+                  <a16:creationId xmlns:a16="http://schemas.microsoft.com/office/drawing/2014/main" id="{B81FCE0F-F2A7-4511-88A3-DDABB2B7FC02}"/>
+                </a:ext>
+              </a:extLst>
+            </p:cNvPr>
+            <p:cNvCxnSpPr/>
+            <p:nvPr/>
+          </p:nvCxnSpPr>
+          <p:spPr>
+            <a:xfrm flipH="1">
+              <a:off x="2124347" y="2749913"/>
+              <a:ext cx="104503" cy="0"/>
+            </a:xfrm>
+            <a:prstGeom prst="line">
+              <a:avLst/>
+            </a:prstGeom>
+            <a:ln w="12700">
+              <a:solidFill>
+                <a:schemeClr val="tx1">
+                  <a:lumMod val="50000"/>
+                  <a:lumOff val="50000"/>
+                </a:schemeClr>
+              </a:solidFill>
+            </a:ln>
+          </p:spPr>
+          <p:style>
+            <a:lnRef idx="1">
+              <a:schemeClr val="accent1"/>
+            </a:lnRef>
+            <a:fillRef idx="0">
+              <a:schemeClr val="accent1"/>
+            </a:fillRef>
+            <a:effectRef idx="0">
+              <a:schemeClr val="accent1"/>
+            </a:effectRef>
+            <a:fontRef idx="minor">
+              <a:schemeClr val="tx1"/>
+            </a:fontRef>
+          </p:style>
+        </p:cxnSp>
+        <p:cxnSp>
+          <p:nvCxnSpPr>
+            <p:cNvPr id="31" name="Straight Connector 30">
+              <a:extLst>
+                <a:ext uri="{FF2B5EF4-FFF2-40B4-BE49-F238E27FC236}">
+                  <a16:creationId xmlns:a16="http://schemas.microsoft.com/office/drawing/2014/main" id="{02DE0E31-53B9-4EC9-BA11-B7CAFB333AD8}"/>
+                </a:ext>
+              </a:extLst>
+            </p:cNvPr>
+            <p:cNvCxnSpPr>
+              <a:cxnSpLocks/>
+            </p:cNvCxnSpPr>
+            <p:nvPr/>
+          </p:nvCxnSpPr>
+          <p:spPr>
+            <a:xfrm>
+              <a:off x="2228850" y="3699323"/>
+              <a:ext cx="0" cy="1467405"/>
+            </a:xfrm>
+            <a:prstGeom prst="line">
+              <a:avLst/>
+            </a:prstGeom>
+            <a:ln w="12700">
+              <a:solidFill>
+                <a:schemeClr val="tx1">
+                  <a:lumMod val="50000"/>
+                  <a:lumOff val="50000"/>
+                </a:schemeClr>
+              </a:solidFill>
+            </a:ln>
+          </p:spPr>
+          <p:style>
+            <a:lnRef idx="1">
+              <a:schemeClr val="accent1"/>
+            </a:lnRef>
+            <a:fillRef idx="0">
+              <a:schemeClr val="accent1"/>
+            </a:fillRef>
+            <a:effectRef idx="0">
+              <a:schemeClr val="accent1"/>
+            </a:effectRef>
+            <a:fontRef idx="minor">
+              <a:schemeClr val="tx1"/>
+            </a:fontRef>
+          </p:style>
+        </p:cxnSp>
+        <p:cxnSp>
+          <p:nvCxnSpPr>
+            <p:cNvPr id="33" name="Straight Connector 32">
+              <a:extLst>
+                <a:ext uri="{FF2B5EF4-FFF2-40B4-BE49-F238E27FC236}">
+                  <a16:creationId xmlns:a16="http://schemas.microsoft.com/office/drawing/2014/main" id="{E157D260-0BBF-4C3F-B5A8-B232975A3684}"/>
+                </a:ext>
+              </a:extLst>
+            </p:cNvPr>
+            <p:cNvCxnSpPr>
+              <a:cxnSpLocks/>
+            </p:cNvCxnSpPr>
+            <p:nvPr/>
+          </p:nvCxnSpPr>
+          <p:spPr>
+            <a:xfrm flipH="1">
+              <a:off x="2124347" y="4143460"/>
+              <a:ext cx="104504" cy="0"/>
+            </a:xfrm>
+            <a:prstGeom prst="line">
+              <a:avLst/>
+            </a:prstGeom>
+            <a:ln w="12700">
+              <a:solidFill>
+                <a:schemeClr val="tx1">
+                  <a:lumMod val="50000"/>
+                  <a:lumOff val="50000"/>
+                </a:schemeClr>
+              </a:solidFill>
+            </a:ln>
+          </p:spPr>
+          <p:style>
+            <a:lnRef idx="1">
+              <a:schemeClr val="accent1"/>
+            </a:lnRef>
+            <a:fillRef idx="0">
+              <a:schemeClr val="accent1"/>
+            </a:fillRef>
+            <a:effectRef idx="0">
+              <a:schemeClr val="accent1"/>
+            </a:effectRef>
+            <a:fontRef idx="minor">
+              <a:schemeClr val="tx1"/>
+            </a:fontRef>
+          </p:style>
+        </p:cxnSp>
+        <p:cxnSp>
+          <p:nvCxnSpPr>
+            <p:cNvPr id="37" name="Straight Arrow Connector 36">
+              <a:extLst>
+                <a:ext uri="{FF2B5EF4-FFF2-40B4-BE49-F238E27FC236}">
+                  <a16:creationId xmlns:a16="http://schemas.microsoft.com/office/drawing/2014/main" id="{C07AB9F4-28C4-48B2-A471-AFD261277C14}"/>
+                </a:ext>
+              </a:extLst>
+            </p:cNvPr>
+            <p:cNvCxnSpPr>
+              <a:cxnSpLocks/>
+            </p:cNvCxnSpPr>
+            <p:nvPr/>
+          </p:nvCxnSpPr>
+          <p:spPr>
+            <a:xfrm>
+              <a:off x="3028950" y="3333750"/>
+              <a:ext cx="0" cy="330200"/>
+            </a:xfrm>
+            <a:prstGeom prst="straightConnector1">
+              <a:avLst/>
+            </a:prstGeom>
+            <a:ln w="9525" cap="flat" cmpd="sng" algn="ctr">
+              <a:solidFill>
+                <a:schemeClr val="dk1"/>
+              </a:solidFill>
+              <a:prstDash val="solid"/>
+              <a:round/>
+              <a:headEnd type="triangle" w="med" len="med"/>
+              <a:tailEnd type="triangle" w="med" len="med"/>
+            </a:ln>
+          </p:spPr>
+          <p:style>
+            <a:lnRef idx="0">
+              <a:scrgbClr r="0" g="0" b="0"/>
+            </a:lnRef>
+            <a:fillRef idx="0">
+              <a:scrgbClr r="0" g="0" b="0"/>
+            </a:fillRef>
+            <a:effectRef idx="0">
+              <a:scrgbClr r="0" g="0" b="0"/>
+            </a:effectRef>
+            <a:fontRef idx="minor">
+              <a:schemeClr val="tx1"/>
+            </a:fontRef>
+          </p:style>
+        </p:cxnSp>
+        <p:sp>
+          <p:nvSpPr>
+            <p:cNvPr id="42" name="Rectangle 41">
+              <a:extLst>
+                <a:ext uri="{FF2B5EF4-FFF2-40B4-BE49-F238E27FC236}">
+                  <a16:creationId xmlns:a16="http://schemas.microsoft.com/office/drawing/2014/main" id="{21ED582E-F114-4BFC-AC05-979884BFB1AD}"/>
+                </a:ext>
+              </a:extLst>
+            </p:cNvPr>
+            <p:cNvSpPr/>
+            <p:nvPr/>
+          </p:nvSpPr>
+          <p:spPr>
+            <a:xfrm>
+              <a:off x="4749440" y="2305775"/>
+              <a:ext cx="1181455" cy="786675"/>
+            </a:xfrm>
+            <a:prstGeom prst="rect">
+              <a:avLst/>
+            </a:prstGeom>
+            <a:gradFill flip="none" rotWithShape="1">
+              <a:gsLst>
+                <a:gs pos="0">
+                  <a:schemeClr val="bg2">
+                    <a:lumMod val="75000"/>
+                    <a:shade val="30000"/>
+                    <a:satMod val="115000"/>
+                  </a:schemeClr>
+                </a:gs>
+                <a:gs pos="50000">
+                  <a:schemeClr val="bg2">
+                    <a:lumMod val="75000"/>
+                    <a:shade val="67500"/>
+                    <a:satMod val="115000"/>
+                  </a:schemeClr>
+                </a:gs>
+                <a:gs pos="100000">
+                  <a:schemeClr val="bg2">
+                    <a:lumMod val="75000"/>
+                    <a:shade val="100000"/>
+                    <a:satMod val="115000"/>
+                  </a:schemeClr>
+                </a:gs>
+              </a:gsLst>
+              <a:lin ang="2700000" scaled="1"/>
+              <a:tileRect/>
+            </a:gradFill>
+          </p:spPr>
+          <p:style>
+            <a:lnRef idx="2">
+              <a:schemeClr val="accent5">
+                <a:shade val="50000"/>
+              </a:schemeClr>
+            </a:lnRef>
+            <a:fillRef idx="1">
+              <a:schemeClr val="accent5"/>
+            </a:fillRef>
+            <a:effectRef idx="0">
+              <a:schemeClr val="accent5"/>
+            </a:effectRef>
+            <a:fontRef idx="minor">
+              <a:schemeClr val="lt1"/>
+            </a:fontRef>
+          </p:style>
+          <p:txBody>
+            <a:bodyPr rtlCol="0" anchor="ctr"/>
+            <a:lstStyle/>
+            <a:p>
+              <a:pPr algn="ctr"/>
+              <a:r>
+                <a:rPr lang="en-AU" sz="2400" dirty="0" err="1"/>
+                <a:t>FreeRTOS</a:t>
+              </a:r>
+              <a:endParaRPr lang="en-AU" sz="2400" dirty="0"/>
+            </a:p>
+            <a:p>
+              <a:pPr algn="ctr"/>
+              <a:r>
+                <a:rPr lang="en-AU" sz="2400" dirty="0"/>
+                <a:t>Task</a:t>
+              </a:r>
+            </a:p>
+          </p:txBody>
+        </p:sp>
+        <p:sp>
+          <p:nvSpPr>
+            <p:cNvPr id="46" name="Rectangle 45">
+              <a:extLst>
+                <a:ext uri="{FF2B5EF4-FFF2-40B4-BE49-F238E27FC236}">
+                  <a16:creationId xmlns:a16="http://schemas.microsoft.com/office/drawing/2014/main" id="{E2016BA3-2A3F-4FFC-AC1D-6D28DBBD75AE}"/>
+                </a:ext>
+              </a:extLst>
+            </p:cNvPr>
+            <p:cNvSpPr/>
+            <p:nvPr/>
+          </p:nvSpPr>
+          <p:spPr>
+            <a:xfrm>
+              <a:off x="4749440" y="2305775"/>
+              <a:ext cx="1181455" cy="831125"/>
+            </a:xfrm>
+            <a:prstGeom prst="rect">
+              <a:avLst/>
+            </a:prstGeom>
+            <a:gradFill flip="none" rotWithShape="1">
+              <a:gsLst>
+                <a:gs pos="0">
+                  <a:schemeClr val="bg2">
+                    <a:lumMod val="75000"/>
+                    <a:shade val="30000"/>
+                    <a:satMod val="115000"/>
+                  </a:schemeClr>
+                </a:gs>
+                <a:gs pos="50000">
+                  <a:schemeClr val="bg2">
+                    <a:lumMod val="75000"/>
+                    <a:shade val="67500"/>
+                    <a:satMod val="115000"/>
+                  </a:schemeClr>
+                </a:gs>
+                <a:gs pos="100000">
+                  <a:schemeClr val="bg2">
+                    <a:lumMod val="75000"/>
+                    <a:shade val="100000"/>
+                    <a:satMod val="115000"/>
+                  </a:schemeClr>
+                </a:gs>
+              </a:gsLst>
+              <a:lin ang="2700000" scaled="1"/>
+              <a:tileRect/>
+            </a:gradFill>
+          </p:spPr>
+          <p:style>
+            <a:lnRef idx="2">
+              <a:schemeClr val="accent5">
+                <a:shade val="50000"/>
+              </a:schemeClr>
+            </a:lnRef>
+            <a:fillRef idx="1">
+              <a:schemeClr val="accent5"/>
+            </a:fillRef>
+            <a:effectRef idx="0">
+              <a:schemeClr val="accent5"/>
+            </a:effectRef>
+            <a:fontRef idx="minor">
+              <a:schemeClr val="lt1"/>
+            </a:fontRef>
+          </p:style>
+          <p:txBody>
+            <a:bodyPr rtlCol="0" anchor="ctr"/>
+            <a:lstStyle/>
+            <a:p>
+              <a:pPr algn="ctr"/>
+              <a:r>
+                <a:rPr lang="en-AU" sz="2400" dirty="0" err="1"/>
+                <a:t>FreeRTOS</a:t>
+              </a:r>
+              <a:endParaRPr lang="en-AU" sz="2400" dirty="0"/>
+            </a:p>
+            <a:p>
+              <a:pPr algn="ctr"/>
+              <a:r>
+                <a:rPr lang="en-AU" sz="2400" dirty="0"/>
+                <a:t>Task</a:t>
+              </a:r>
+            </a:p>
+          </p:txBody>
+        </p:sp>
+        <p:sp>
+          <p:nvSpPr>
+            <p:cNvPr id="50" name="Rectangle 49">
+              <a:extLst>
+                <a:ext uri="{FF2B5EF4-FFF2-40B4-BE49-F238E27FC236}">
+                  <a16:creationId xmlns:a16="http://schemas.microsoft.com/office/drawing/2014/main" id="{C5B98812-477B-46AC-94AA-E0FC37AF0D63}"/>
+                </a:ext>
+              </a:extLst>
+            </p:cNvPr>
+            <p:cNvSpPr/>
+            <p:nvPr/>
+          </p:nvSpPr>
+          <p:spPr>
+            <a:xfrm>
+              <a:off x="4749440" y="3320689"/>
+              <a:ext cx="1181455" cy="831125"/>
+            </a:xfrm>
+            <a:prstGeom prst="rect">
+              <a:avLst/>
+            </a:prstGeom>
+            <a:gradFill flip="none" rotWithShape="1">
+              <a:gsLst>
+                <a:gs pos="0">
+                  <a:schemeClr val="bg2">
+                    <a:lumMod val="75000"/>
+                    <a:shade val="30000"/>
+                    <a:satMod val="115000"/>
+                  </a:schemeClr>
+                </a:gs>
+                <a:gs pos="50000">
+                  <a:schemeClr val="bg2">
+                    <a:lumMod val="75000"/>
+                    <a:shade val="67500"/>
+                    <a:satMod val="115000"/>
+                  </a:schemeClr>
+                </a:gs>
+                <a:gs pos="100000">
+                  <a:schemeClr val="bg2">
+                    <a:lumMod val="75000"/>
+                    <a:shade val="100000"/>
+                    <a:satMod val="115000"/>
+                  </a:schemeClr>
+                </a:gs>
+              </a:gsLst>
+              <a:lin ang="2700000" scaled="1"/>
+              <a:tileRect/>
+            </a:gradFill>
+          </p:spPr>
+          <p:style>
+            <a:lnRef idx="2">
+              <a:schemeClr val="accent5">
+                <a:shade val="50000"/>
+              </a:schemeClr>
+            </a:lnRef>
+            <a:fillRef idx="1">
+              <a:schemeClr val="accent5"/>
+            </a:fillRef>
+            <a:effectRef idx="0">
+              <a:schemeClr val="accent5"/>
+            </a:effectRef>
+            <a:fontRef idx="minor">
+              <a:schemeClr val="lt1"/>
+            </a:fontRef>
+          </p:style>
+          <p:txBody>
+            <a:bodyPr rtlCol="0" anchor="ctr"/>
+            <a:lstStyle/>
+            <a:p>
+              <a:pPr algn="ctr"/>
+              <a:r>
+                <a:rPr lang="en-AU" sz="2400" dirty="0" err="1"/>
+                <a:t>FreeRTOS</a:t>
+              </a:r>
+              <a:endParaRPr lang="en-AU" sz="2400" dirty="0"/>
+            </a:p>
+            <a:p>
+              <a:pPr algn="ctr"/>
+              <a:r>
+                <a:rPr lang="en-AU" sz="2400" dirty="0"/>
+                <a:t>Task</a:t>
+              </a:r>
+            </a:p>
+          </p:txBody>
+        </p:sp>
+        <p:sp>
+          <p:nvSpPr>
+            <p:cNvPr id="52" name="Rectangle 51">
+              <a:extLst>
+                <a:ext uri="{FF2B5EF4-FFF2-40B4-BE49-F238E27FC236}">
+                  <a16:creationId xmlns:a16="http://schemas.microsoft.com/office/drawing/2014/main" id="{96D39A44-6A70-400A-AA9E-5151BDC91A58}"/>
+                </a:ext>
+              </a:extLst>
+            </p:cNvPr>
+            <p:cNvSpPr/>
+            <p:nvPr/>
+          </p:nvSpPr>
+          <p:spPr>
+            <a:xfrm>
+              <a:off x="4749440" y="4335603"/>
+              <a:ext cx="1181455" cy="831125"/>
+            </a:xfrm>
+            <a:prstGeom prst="rect">
+              <a:avLst/>
+            </a:prstGeom>
+            <a:gradFill flip="none" rotWithShape="1">
+              <a:gsLst>
+                <a:gs pos="0">
+                  <a:schemeClr val="bg2">
+                    <a:lumMod val="75000"/>
+                    <a:shade val="30000"/>
+                    <a:satMod val="115000"/>
+                  </a:schemeClr>
+                </a:gs>
+                <a:gs pos="50000">
+                  <a:schemeClr val="bg2">
+                    <a:lumMod val="75000"/>
+                    <a:shade val="67500"/>
+                    <a:satMod val="115000"/>
+                  </a:schemeClr>
+                </a:gs>
+                <a:gs pos="100000">
+                  <a:schemeClr val="bg2">
+                    <a:lumMod val="75000"/>
+                    <a:shade val="100000"/>
+                    <a:satMod val="115000"/>
+                  </a:schemeClr>
+                </a:gs>
+              </a:gsLst>
+              <a:lin ang="2700000" scaled="1"/>
+              <a:tileRect/>
+            </a:gradFill>
+          </p:spPr>
+          <p:style>
+            <a:lnRef idx="2">
+              <a:schemeClr val="accent5">
+                <a:shade val="50000"/>
+              </a:schemeClr>
+            </a:lnRef>
+            <a:fillRef idx="1">
+              <a:schemeClr val="accent5"/>
+            </a:fillRef>
+            <a:effectRef idx="0">
+              <a:schemeClr val="accent5"/>
+            </a:effectRef>
+            <a:fontRef idx="minor">
+              <a:schemeClr val="lt1"/>
+            </a:fontRef>
+          </p:style>
+          <p:txBody>
+            <a:bodyPr rtlCol="0" anchor="ctr"/>
+            <a:lstStyle/>
+            <a:p>
+              <a:pPr algn="ctr"/>
+              <a:r>
+                <a:rPr lang="en-AU" sz="2400" dirty="0" err="1"/>
+                <a:t>FreeRTOS</a:t>
+              </a:r>
+              <a:endParaRPr lang="en-AU" sz="2400" dirty="0"/>
+            </a:p>
+            <a:p>
+              <a:pPr algn="ctr"/>
+              <a:r>
+                <a:rPr lang="en-AU" sz="2400" dirty="0"/>
+                <a:t>Task</a:t>
+              </a:r>
+            </a:p>
+          </p:txBody>
+        </p:sp>
+        <p:sp>
+          <p:nvSpPr>
+            <p:cNvPr id="54" name="Rectangle 53">
+              <a:extLst>
+                <a:ext uri="{FF2B5EF4-FFF2-40B4-BE49-F238E27FC236}">
+                  <a16:creationId xmlns:a16="http://schemas.microsoft.com/office/drawing/2014/main" id="{A5AEAD4C-65E2-431F-8BE2-58ECB9CAFE67}"/>
+                </a:ext>
+              </a:extLst>
+            </p:cNvPr>
+            <p:cNvSpPr/>
+            <p:nvPr/>
+          </p:nvSpPr>
+          <p:spPr>
+            <a:xfrm>
+              <a:off x="6451605" y="3320689"/>
+              <a:ext cx="2161183" cy="444137"/>
+            </a:xfrm>
+            <a:prstGeom prst="rect">
+              <a:avLst/>
+            </a:prstGeom>
+            <a:gradFill flip="none" rotWithShape="1">
+              <a:gsLst>
+                <a:gs pos="0">
+                  <a:schemeClr val="bg2">
+                    <a:lumMod val="75000"/>
+                    <a:shade val="30000"/>
+                    <a:satMod val="115000"/>
+                  </a:schemeClr>
+                </a:gs>
+                <a:gs pos="50000">
+                  <a:schemeClr val="bg2">
+                    <a:lumMod val="75000"/>
+                    <a:shade val="67500"/>
+                    <a:satMod val="115000"/>
+                  </a:schemeClr>
+                </a:gs>
+                <a:gs pos="100000">
+                  <a:schemeClr val="bg2">
+                    <a:lumMod val="75000"/>
+                    <a:shade val="100000"/>
+                    <a:satMod val="115000"/>
+                  </a:schemeClr>
+                </a:gs>
+              </a:gsLst>
+              <a:lin ang="2700000" scaled="1"/>
+              <a:tileRect/>
+            </a:gradFill>
+          </p:spPr>
+          <p:style>
+            <a:lnRef idx="2">
+              <a:schemeClr val="accent5">
+                <a:shade val="50000"/>
+              </a:schemeClr>
+            </a:lnRef>
+            <a:fillRef idx="1">
+              <a:schemeClr val="accent5"/>
+            </a:fillRef>
+            <a:effectRef idx="0">
+              <a:schemeClr val="accent5"/>
+            </a:effectRef>
+            <a:fontRef idx="minor">
+              <a:schemeClr val="lt1"/>
+            </a:fontRef>
+          </p:style>
+          <p:txBody>
+            <a:bodyPr rtlCol="0" anchor="ctr"/>
+            <a:lstStyle/>
+            <a:p>
+              <a:pPr algn="ctr"/>
+              <a:r>
+                <a:rPr lang="en-AU" sz="2400" dirty="0" err="1"/>
+                <a:t>Intercore</a:t>
+              </a:r>
+              <a:r>
+                <a:rPr lang="en-AU" sz="2400" dirty="0"/>
+                <a:t> messaging</a:t>
+              </a:r>
+            </a:p>
+          </p:txBody>
+        </p:sp>
+        <p:sp>
+          <p:nvSpPr>
+            <p:cNvPr id="56" name="Rectangle 55">
+              <a:extLst>
+                <a:ext uri="{FF2B5EF4-FFF2-40B4-BE49-F238E27FC236}">
+                  <a16:creationId xmlns:a16="http://schemas.microsoft.com/office/drawing/2014/main" id="{6ECBEB8D-1B45-4634-87B4-D25166C86AEC}"/>
+                </a:ext>
+              </a:extLst>
+            </p:cNvPr>
+            <p:cNvSpPr/>
+            <p:nvPr/>
+          </p:nvSpPr>
+          <p:spPr>
+            <a:xfrm>
+              <a:off x="6451605" y="2305775"/>
+              <a:ext cx="2161183" cy="831125"/>
+            </a:xfrm>
+            <a:prstGeom prst="rect">
+              <a:avLst/>
+            </a:prstGeom>
+            <a:gradFill flip="none" rotWithShape="1">
+              <a:gsLst>
+                <a:gs pos="0">
+                  <a:schemeClr val="bg2">
+                    <a:lumMod val="75000"/>
+                    <a:shade val="30000"/>
+                    <a:satMod val="115000"/>
+                  </a:schemeClr>
+                </a:gs>
+                <a:gs pos="50000">
+                  <a:schemeClr val="bg2">
+                    <a:lumMod val="75000"/>
+                    <a:shade val="67500"/>
+                    <a:satMod val="115000"/>
+                  </a:schemeClr>
+                </a:gs>
+                <a:gs pos="100000">
+                  <a:schemeClr val="bg2">
+                    <a:lumMod val="75000"/>
+                    <a:shade val="100000"/>
+                    <a:satMod val="115000"/>
+                  </a:schemeClr>
+                </a:gs>
+              </a:gsLst>
+              <a:lin ang="2700000" scaled="1"/>
+              <a:tileRect/>
+            </a:gradFill>
+          </p:spPr>
+          <p:style>
+            <a:lnRef idx="2">
+              <a:schemeClr val="accent5">
+                <a:shade val="50000"/>
+              </a:schemeClr>
+            </a:lnRef>
+            <a:fillRef idx="1">
+              <a:schemeClr val="accent5"/>
+            </a:fillRef>
+            <a:effectRef idx="0">
+              <a:schemeClr val="accent5"/>
+            </a:effectRef>
+            <a:fontRef idx="minor">
+              <a:schemeClr val="lt1"/>
+            </a:fontRef>
+          </p:style>
+          <p:txBody>
+            <a:bodyPr rtlCol="0" anchor="ctr"/>
+            <a:lstStyle/>
+            <a:p>
+              <a:pPr algn="ctr"/>
+              <a:r>
+                <a:rPr lang="en-AU" sz="2400" dirty="0"/>
+                <a:t>Ultrasonic distance sensor HC-SR04</a:t>
+              </a:r>
+            </a:p>
+          </p:txBody>
+        </p:sp>
+        <p:sp>
+          <p:nvSpPr>
+            <p:cNvPr id="58" name="Rectangle 57">
+              <a:extLst>
+                <a:ext uri="{FF2B5EF4-FFF2-40B4-BE49-F238E27FC236}">
+                  <a16:creationId xmlns:a16="http://schemas.microsoft.com/office/drawing/2014/main" id="{27C4F7B1-F1EB-4855-9181-2D5D1EFA8E2D}"/>
+                </a:ext>
+              </a:extLst>
+            </p:cNvPr>
+            <p:cNvSpPr/>
+            <p:nvPr/>
+          </p:nvSpPr>
+          <p:spPr>
+            <a:xfrm>
+              <a:off x="6451605" y="4335603"/>
+              <a:ext cx="2161183" cy="444137"/>
+            </a:xfrm>
+            <a:prstGeom prst="rect">
+              <a:avLst/>
+            </a:prstGeom>
+            <a:gradFill flip="none" rotWithShape="1">
+              <a:gsLst>
+                <a:gs pos="0">
+                  <a:schemeClr val="bg2">
+                    <a:lumMod val="75000"/>
+                    <a:shade val="30000"/>
+                    <a:satMod val="115000"/>
+                  </a:schemeClr>
+                </a:gs>
+                <a:gs pos="50000">
+                  <a:schemeClr val="bg2">
+                    <a:lumMod val="75000"/>
+                    <a:shade val="67500"/>
+                    <a:satMod val="115000"/>
+                  </a:schemeClr>
+                </a:gs>
+                <a:gs pos="100000">
+                  <a:schemeClr val="bg2">
+                    <a:lumMod val="75000"/>
+                    <a:shade val="100000"/>
+                    <a:satMod val="115000"/>
+                  </a:schemeClr>
+                </a:gs>
+              </a:gsLst>
+              <a:lin ang="2700000" scaled="1"/>
+              <a:tileRect/>
+            </a:gradFill>
+          </p:spPr>
+          <p:style>
+            <a:lnRef idx="2">
+              <a:schemeClr val="accent5">
+                <a:shade val="50000"/>
+              </a:schemeClr>
+            </a:lnRef>
+            <a:fillRef idx="1">
+              <a:schemeClr val="accent5"/>
+            </a:fillRef>
+            <a:effectRef idx="0">
+              <a:schemeClr val="accent5"/>
+            </a:effectRef>
+            <a:fontRef idx="minor">
+              <a:schemeClr val="lt1"/>
+            </a:fontRef>
+          </p:style>
+          <p:txBody>
+            <a:bodyPr rtlCol="0" anchor="ctr"/>
+            <a:lstStyle/>
+            <a:p>
+              <a:pPr algn="ctr"/>
+              <a:r>
+                <a:rPr lang="en-AU" sz="2400" dirty="0"/>
+                <a:t>LED UI</a:t>
+              </a:r>
+            </a:p>
+          </p:txBody>
+        </p:sp>
+        <p:cxnSp>
+          <p:nvCxnSpPr>
+            <p:cNvPr id="63" name="Straight Arrow Connector 62">
+              <a:extLst>
+                <a:ext uri="{FF2B5EF4-FFF2-40B4-BE49-F238E27FC236}">
+                  <a16:creationId xmlns:a16="http://schemas.microsoft.com/office/drawing/2014/main" id="{1E464EA4-6812-40E9-BAED-8553E96E7D80}"/>
+                </a:ext>
+              </a:extLst>
+            </p:cNvPr>
+            <p:cNvCxnSpPr>
+              <a:cxnSpLocks/>
+            </p:cNvCxnSpPr>
+            <p:nvPr/>
+          </p:nvCxnSpPr>
+          <p:spPr>
+            <a:xfrm flipH="1">
+              <a:off x="4330700" y="3921391"/>
+              <a:ext cx="349250" cy="0"/>
+            </a:xfrm>
+            <a:prstGeom prst="straightConnector1">
+              <a:avLst/>
+            </a:prstGeom>
+            <a:ln w="9525" cap="flat" cmpd="sng" algn="ctr">
+              <a:solidFill>
+                <a:schemeClr val="dk1"/>
+              </a:solidFill>
+              <a:prstDash val="solid"/>
+              <a:round/>
+              <a:headEnd type="triangle" w="med" len="med"/>
+              <a:tailEnd type="triangle" w="med" len="med"/>
+            </a:ln>
+          </p:spPr>
+          <p:style>
+            <a:lnRef idx="0">
+              <a:scrgbClr r="0" g="0" b="0"/>
+            </a:lnRef>
+            <a:fillRef idx="0">
+              <a:scrgbClr r="0" g="0" b="0"/>
+            </a:fillRef>
+            <a:effectRef idx="0">
+              <a:scrgbClr r="0" g="0" b="0"/>
+            </a:effectRef>
+            <a:fontRef idx="minor">
+              <a:schemeClr val="tx1"/>
+            </a:fontRef>
+          </p:style>
+        </p:cxnSp>
+        <p:cxnSp>
+          <p:nvCxnSpPr>
+            <p:cNvPr id="67" name="Straight Arrow Connector 66">
+              <a:extLst>
+                <a:ext uri="{FF2B5EF4-FFF2-40B4-BE49-F238E27FC236}">
+                  <a16:creationId xmlns:a16="http://schemas.microsoft.com/office/drawing/2014/main" id="{EB52C052-C4C0-4D64-98A7-B655B946C052}"/>
+                </a:ext>
+              </a:extLst>
+            </p:cNvPr>
+            <p:cNvCxnSpPr>
+              <a:cxnSpLocks/>
+            </p:cNvCxnSpPr>
+            <p:nvPr/>
+          </p:nvCxnSpPr>
+          <p:spPr>
+            <a:xfrm flipH="1">
+              <a:off x="4330700" y="4436466"/>
+              <a:ext cx="349250" cy="0"/>
+            </a:xfrm>
+            <a:prstGeom prst="straightConnector1">
+              <a:avLst/>
+            </a:prstGeom>
+            <a:ln w="9525" cap="flat" cmpd="sng" algn="ctr">
+              <a:solidFill>
+                <a:schemeClr val="dk1"/>
+              </a:solidFill>
+              <a:prstDash val="solid"/>
+              <a:round/>
+              <a:headEnd type="triangle" w="med" len="med"/>
+              <a:tailEnd type="triangle" w="med" len="med"/>
+            </a:ln>
+          </p:spPr>
+          <p:style>
+            <a:lnRef idx="0">
+              <a:scrgbClr r="0" g="0" b="0"/>
+            </a:lnRef>
+            <a:fillRef idx="0">
+              <a:scrgbClr r="0" g="0" b="0"/>
+            </a:fillRef>
+            <a:effectRef idx="0">
+              <a:scrgbClr r="0" g="0" b="0"/>
+            </a:effectRef>
+            <a:fontRef idx="minor">
+              <a:schemeClr val="tx1"/>
+            </a:fontRef>
+          </p:style>
+        </p:cxnSp>
+        <p:cxnSp>
+          <p:nvCxnSpPr>
+            <p:cNvPr id="69" name="Straight Arrow Connector 68">
+              <a:extLst>
+                <a:ext uri="{FF2B5EF4-FFF2-40B4-BE49-F238E27FC236}">
+                  <a16:creationId xmlns:a16="http://schemas.microsoft.com/office/drawing/2014/main" id="{11C8C97F-680A-41DD-845F-DBA328D72FAE}"/>
+                </a:ext>
+              </a:extLst>
+            </p:cNvPr>
+            <p:cNvCxnSpPr>
+              <a:cxnSpLocks/>
+            </p:cNvCxnSpPr>
+            <p:nvPr/>
+          </p:nvCxnSpPr>
+          <p:spPr>
+            <a:xfrm flipH="1">
+              <a:off x="6000750" y="2645766"/>
+              <a:ext cx="365125" cy="0"/>
+            </a:xfrm>
+            <a:prstGeom prst="straightConnector1">
+              <a:avLst/>
+            </a:prstGeom>
+            <a:ln w="9525" cap="flat" cmpd="sng" algn="ctr">
+              <a:solidFill>
+                <a:schemeClr val="dk1"/>
+              </a:solidFill>
+              <a:prstDash val="solid"/>
+              <a:round/>
+              <a:headEnd type="triangle" w="med" len="med"/>
+              <a:tailEnd type="triangle" w="med" len="med"/>
+            </a:ln>
+          </p:spPr>
+          <p:style>
+            <a:lnRef idx="0">
+              <a:scrgbClr r="0" g="0" b="0"/>
+            </a:lnRef>
+            <a:fillRef idx="0">
+              <a:scrgbClr r="0" g="0" b="0"/>
+            </a:fillRef>
+            <a:effectRef idx="0">
+              <a:scrgbClr r="0" g="0" b="0"/>
+            </a:effectRef>
+            <a:fontRef idx="minor">
+              <a:schemeClr val="tx1"/>
+            </a:fontRef>
+          </p:style>
+        </p:cxnSp>
+        <p:cxnSp>
+          <p:nvCxnSpPr>
+            <p:cNvPr id="72" name="Straight Arrow Connector 71">
+              <a:extLst>
+                <a:ext uri="{FF2B5EF4-FFF2-40B4-BE49-F238E27FC236}">
+                  <a16:creationId xmlns:a16="http://schemas.microsoft.com/office/drawing/2014/main" id="{20EA3207-8C39-4A9D-9E7D-80358F360E20}"/>
+                </a:ext>
+              </a:extLst>
+            </p:cNvPr>
+            <p:cNvCxnSpPr>
+              <a:cxnSpLocks/>
+            </p:cNvCxnSpPr>
+            <p:nvPr/>
+          </p:nvCxnSpPr>
+          <p:spPr>
+            <a:xfrm flipH="1">
+              <a:off x="6000749" y="3527873"/>
+              <a:ext cx="365125" cy="0"/>
+            </a:xfrm>
+            <a:prstGeom prst="straightConnector1">
+              <a:avLst/>
+            </a:prstGeom>
+            <a:ln w="9525" cap="flat" cmpd="sng" algn="ctr">
+              <a:solidFill>
+                <a:schemeClr val="dk1"/>
+              </a:solidFill>
+              <a:prstDash val="solid"/>
+              <a:round/>
+              <a:headEnd type="triangle" w="med" len="med"/>
+              <a:tailEnd type="triangle" w="med" len="med"/>
+            </a:ln>
+          </p:spPr>
+          <p:style>
+            <a:lnRef idx="0">
+              <a:scrgbClr r="0" g="0" b="0"/>
+            </a:lnRef>
+            <a:fillRef idx="0">
+              <a:scrgbClr r="0" g="0" b="0"/>
+            </a:fillRef>
+            <a:effectRef idx="0">
+              <a:scrgbClr r="0" g="0" b="0"/>
+            </a:effectRef>
+            <a:fontRef idx="minor">
+              <a:schemeClr val="tx1"/>
+            </a:fontRef>
+          </p:style>
+        </p:cxnSp>
+        <p:cxnSp>
+          <p:nvCxnSpPr>
+            <p:cNvPr id="74" name="Straight Arrow Connector 73">
+              <a:extLst>
+                <a:ext uri="{FF2B5EF4-FFF2-40B4-BE49-F238E27FC236}">
+                  <a16:creationId xmlns:a16="http://schemas.microsoft.com/office/drawing/2014/main" id="{5E7FD598-03F6-40A6-B78E-E4DE4D6371AE}"/>
+                </a:ext>
+              </a:extLst>
+            </p:cNvPr>
+            <p:cNvCxnSpPr>
+              <a:cxnSpLocks/>
+            </p:cNvCxnSpPr>
+            <p:nvPr/>
+          </p:nvCxnSpPr>
+          <p:spPr>
+            <a:xfrm flipH="1">
+              <a:off x="6008687" y="4557671"/>
+              <a:ext cx="365125" cy="0"/>
+            </a:xfrm>
+            <a:prstGeom prst="straightConnector1">
+              <a:avLst/>
+            </a:prstGeom>
+            <a:ln w="9525" cap="flat" cmpd="sng" algn="ctr">
+              <a:solidFill>
+                <a:schemeClr val="dk1"/>
+              </a:solidFill>
+              <a:prstDash val="solid"/>
+              <a:round/>
+              <a:headEnd type="triangle" w="med" len="med"/>
+              <a:tailEnd type="triangle" w="med" len="med"/>
+            </a:ln>
+          </p:spPr>
+          <p:style>
+            <a:lnRef idx="0">
+              <a:scrgbClr r="0" g="0" b="0"/>
+            </a:lnRef>
+            <a:fillRef idx="0">
+              <a:scrgbClr r="0" g="0" b="0"/>
+            </a:fillRef>
+            <a:effectRef idx="0">
+              <a:scrgbClr r="0" g="0" b="0"/>
+            </a:effectRef>
+            <a:fontRef idx="minor">
+              <a:schemeClr val="tx1"/>
+            </a:fontRef>
+          </p:style>
+        </p:cxnSp>
+        <p:cxnSp>
+          <p:nvCxnSpPr>
+            <p:cNvPr id="78" name="Straight Connector 77">
+              <a:extLst>
+                <a:ext uri="{FF2B5EF4-FFF2-40B4-BE49-F238E27FC236}">
+                  <a16:creationId xmlns:a16="http://schemas.microsoft.com/office/drawing/2014/main" id="{D1CB2C69-029D-4A81-A42F-622744705E78}"/>
+                </a:ext>
+              </a:extLst>
+            </p:cNvPr>
+            <p:cNvCxnSpPr/>
+            <p:nvPr/>
+          </p:nvCxnSpPr>
+          <p:spPr>
+            <a:xfrm>
+              <a:off x="1976301" y="3429000"/>
+              <a:ext cx="2449649" cy="0"/>
+            </a:xfrm>
+            <a:prstGeom prst="line">
+              <a:avLst/>
+            </a:prstGeom>
+            <a:ln w="9525" cap="flat" cmpd="sng" algn="ctr">
+              <a:solidFill>
+                <a:schemeClr val="accent1"/>
+              </a:solidFill>
+              <a:prstDash val="dash"/>
+              <a:round/>
+              <a:headEnd type="none" w="med" len="med"/>
+              <a:tailEnd type="none" w="med" len="med"/>
+            </a:ln>
+          </p:spPr>
+          <p:style>
+            <a:lnRef idx="0">
+              <a:scrgbClr r="0" g="0" b="0"/>
+            </a:lnRef>
+            <a:fillRef idx="0">
+              <a:scrgbClr r="0" g="0" b="0"/>
+            </a:fillRef>
+            <a:effectRef idx="0">
+              <a:scrgbClr r="0" g="0" b="0"/>
+            </a:effectRef>
+            <a:fontRef idx="minor">
+              <a:schemeClr val="tx1"/>
+            </a:fontRef>
+          </p:style>
+        </p:cxnSp>
+        <p:cxnSp>
+          <p:nvCxnSpPr>
+            <p:cNvPr id="80" name="Straight Connector 79">
+              <a:extLst>
+                <a:ext uri="{FF2B5EF4-FFF2-40B4-BE49-F238E27FC236}">
+                  <a16:creationId xmlns:a16="http://schemas.microsoft.com/office/drawing/2014/main" id="{36BAEFBC-AA9B-4172-864A-A04124938CDC}"/>
+                </a:ext>
+              </a:extLst>
+            </p:cNvPr>
+            <p:cNvCxnSpPr/>
+            <p:nvPr/>
+          </p:nvCxnSpPr>
+          <p:spPr>
+            <a:xfrm flipV="1">
+              <a:off x="4425950" y="2175940"/>
+              <a:ext cx="0" cy="1253060"/>
+            </a:xfrm>
+            <a:prstGeom prst="line">
+              <a:avLst/>
+            </a:prstGeom>
+            <a:ln w="9525" cap="flat" cmpd="sng" algn="ctr">
+              <a:solidFill>
+                <a:schemeClr val="accent1"/>
+              </a:solidFill>
+              <a:prstDash val="dash"/>
+              <a:round/>
+              <a:headEnd type="none" w="med" len="med"/>
+              <a:tailEnd type="none" w="med" len="med"/>
+            </a:ln>
+          </p:spPr>
+          <p:style>
+            <a:lnRef idx="0">
+              <a:scrgbClr r="0" g="0" b="0"/>
+            </a:lnRef>
+            <a:fillRef idx="0">
+              <a:scrgbClr r="0" g="0" b="0"/>
+            </a:fillRef>
+            <a:effectRef idx="0">
+              <a:scrgbClr r="0" g="0" b="0"/>
+            </a:effectRef>
+            <a:fontRef idx="minor">
+              <a:schemeClr val="tx1"/>
+            </a:fontRef>
+          </p:style>
+        </p:cxnSp>
+      </p:grpSp>
+    </p:spTree>
+    <p:extLst>
+      <p:ext uri="{BB962C8B-B14F-4D97-AF65-F5344CB8AC3E}">
+        <p14:creationId xmlns:p14="http://schemas.microsoft.com/office/powerpoint/2010/main" val="340300157"/>
+      </p:ext>
+    </p:extLst>
+  </p:cSld>
+  <p:clrMapOvr>
+    <a:masterClrMapping/>
+  </p:clrMapOvr>
+</p:sld>
+</file>
+
 <file path=ppt/theme/theme1.xml><?xml version="1.0" encoding="utf-8"?>
 <a:theme xmlns:a="http://schemas.openxmlformats.org/drawingml/2006/main" name="Office Theme">
   <a:themeElements>

--- a/resources/architecture.pptx
+++ b/resources/architecture.pptx
@@ -3363,8 +3363,8 @@
         </p:nvSpPr>
         <p:spPr>
           <a:xfrm>
-            <a:off x="569864" y="757438"/>
-            <a:ext cx="8204169" cy="830997"/>
+            <a:off x="558448" y="1371874"/>
+            <a:ext cx="8273099" cy="461665"/>
           </a:xfrm>
           <a:prstGeom prst="rect">
             <a:avLst/>
@@ -3376,16 +3376,6 @@
             <a:spAutoFit/>
           </a:bodyPr>
           <a:lstStyle/>
-          <a:p>
-            <a:r>
-              <a:rPr lang="en-AU" sz="2400" b="1" dirty="0">
-                <a:solidFill>
-                  <a:srgbClr val="0070C0"/>
-                </a:solidFill>
-              </a:rPr>
-              <a:t>Seeing Eyed Rover demo</a:t>
-            </a:r>
-          </a:p>
           <a:p>
             <a:r>
               <a:rPr lang="en-AU" sz="2400" b="1" dirty="0">
